--- a/8-msa/2. 팀 프로젝트 구성도.pptx
+++ b/8-msa/2. 팀 프로젝트 구성도.pptx
@@ -260,7 +260,7 @@
           <a:p>
             <a:fld id="{BE385318-83E2-4817-A0DC-E225F8203930}" type="datetimeFigureOut">
               <a:rPr lang="ko-KR" altLang="en-US" smtClean="0"/>
-              <a:t>2021-10-07</a:t>
+              <a:t>2021-10-13</a:t>
             </a:fld>
             <a:endParaRPr lang="ko-KR" altLang="en-US"/>
           </a:p>
@@ -458,7 +458,7 @@
           <a:p>
             <a:fld id="{BE385318-83E2-4817-A0DC-E225F8203930}" type="datetimeFigureOut">
               <a:rPr lang="ko-KR" altLang="en-US" smtClean="0"/>
-              <a:t>2021-10-07</a:t>
+              <a:t>2021-10-13</a:t>
             </a:fld>
             <a:endParaRPr lang="ko-KR" altLang="en-US"/>
           </a:p>
@@ -666,7 +666,7 @@
           <a:p>
             <a:fld id="{BE385318-83E2-4817-A0DC-E225F8203930}" type="datetimeFigureOut">
               <a:rPr lang="ko-KR" altLang="en-US" smtClean="0"/>
-              <a:t>2021-10-07</a:t>
+              <a:t>2021-10-13</a:t>
             </a:fld>
             <a:endParaRPr lang="ko-KR" altLang="en-US"/>
           </a:p>
@@ -864,7 +864,7 @@
           <a:p>
             <a:fld id="{BE385318-83E2-4817-A0DC-E225F8203930}" type="datetimeFigureOut">
               <a:rPr lang="ko-KR" altLang="en-US" smtClean="0"/>
-              <a:t>2021-10-07</a:t>
+              <a:t>2021-10-13</a:t>
             </a:fld>
             <a:endParaRPr lang="ko-KR" altLang="en-US"/>
           </a:p>
@@ -1139,7 +1139,7 @@
           <a:p>
             <a:fld id="{BE385318-83E2-4817-A0DC-E225F8203930}" type="datetimeFigureOut">
               <a:rPr lang="ko-KR" altLang="en-US" smtClean="0"/>
-              <a:t>2021-10-07</a:t>
+              <a:t>2021-10-13</a:t>
             </a:fld>
             <a:endParaRPr lang="ko-KR" altLang="en-US"/>
           </a:p>
@@ -1404,7 +1404,7 @@
           <a:p>
             <a:fld id="{BE385318-83E2-4817-A0DC-E225F8203930}" type="datetimeFigureOut">
               <a:rPr lang="ko-KR" altLang="en-US" smtClean="0"/>
-              <a:t>2021-10-07</a:t>
+              <a:t>2021-10-13</a:t>
             </a:fld>
             <a:endParaRPr lang="ko-KR" altLang="en-US"/>
           </a:p>
@@ -1816,7 +1816,7 @@
           <a:p>
             <a:fld id="{BE385318-83E2-4817-A0DC-E225F8203930}" type="datetimeFigureOut">
               <a:rPr lang="ko-KR" altLang="en-US" smtClean="0"/>
-              <a:t>2021-10-07</a:t>
+              <a:t>2021-10-13</a:t>
             </a:fld>
             <a:endParaRPr lang="ko-KR" altLang="en-US"/>
           </a:p>
@@ -1957,7 +1957,7 @@
           <a:p>
             <a:fld id="{BE385318-83E2-4817-A0DC-E225F8203930}" type="datetimeFigureOut">
               <a:rPr lang="ko-KR" altLang="en-US" smtClean="0"/>
-              <a:t>2021-10-07</a:t>
+              <a:t>2021-10-13</a:t>
             </a:fld>
             <a:endParaRPr lang="ko-KR" altLang="en-US"/>
           </a:p>
@@ -2070,7 +2070,7 @@
           <a:p>
             <a:fld id="{BE385318-83E2-4817-A0DC-E225F8203930}" type="datetimeFigureOut">
               <a:rPr lang="ko-KR" altLang="en-US" smtClean="0"/>
-              <a:t>2021-10-07</a:t>
+              <a:t>2021-10-13</a:t>
             </a:fld>
             <a:endParaRPr lang="ko-KR" altLang="en-US"/>
           </a:p>
@@ -2381,7 +2381,7 @@
           <a:p>
             <a:fld id="{BE385318-83E2-4817-A0DC-E225F8203930}" type="datetimeFigureOut">
               <a:rPr lang="ko-KR" altLang="en-US" smtClean="0"/>
-              <a:t>2021-10-07</a:t>
+              <a:t>2021-10-13</a:t>
             </a:fld>
             <a:endParaRPr lang="ko-KR" altLang="en-US"/>
           </a:p>
@@ -2669,7 +2669,7 @@
           <a:p>
             <a:fld id="{BE385318-83E2-4817-A0DC-E225F8203930}" type="datetimeFigureOut">
               <a:rPr lang="ko-KR" altLang="en-US" smtClean="0"/>
-              <a:t>2021-10-07</a:t>
+              <a:t>2021-10-13</a:t>
             </a:fld>
             <a:endParaRPr lang="ko-KR" altLang="en-US"/>
           </a:p>
@@ -2910,7 +2910,7 @@
           <a:p>
             <a:fld id="{BE385318-83E2-4817-A0DC-E225F8203930}" type="datetimeFigureOut">
               <a:rPr lang="ko-KR" altLang="en-US" smtClean="0"/>
-              <a:t>2021-10-07</a:t>
+              <a:t>2021-10-13</a:t>
             </a:fld>
             <a:endParaRPr lang="ko-KR" altLang="en-US"/>
           </a:p>
@@ -6334,15 +6334,7 @@
                 <a:ea typeface="Amazon Ember" pitchFamily="34" charset="0"/>
                 <a:cs typeface="Arial" panose="020B0604020202020204" pitchFamily="34" charset="0"/>
               </a:rPr>
-              <a:t>React </a:t>
-            </a:r>
-            <a:r>
-              <a:rPr lang="en-US" altLang="en-US" sz="1200" dirty="0" smtClean="0">
-                <a:latin typeface="Arial" panose="020B0604020202020204" pitchFamily="34" charset="0"/>
-                <a:ea typeface="Amazon Ember" pitchFamily="34" charset="0"/>
-                <a:cs typeface="Arial" panose="020B0604020202020204" pitchFamily="34" charset="0"/>
-              </a:rPr>
-              <a:t>SPA A</a:t>
+              <a:t>React SPA A</a:t>
             </a:r>
             <a:endParaRPr lang="en-US" altLang="en-US" sz="1200" dirty="0">
               <a:latin typeface="Arial" panose="020B0604020202020204" pitchFamily="34" charset="0"/>
@@ -7065,15 +7057,7 @@
                 <a:ea typeface="Amazon Ember" pitchFamily="34" charset="0"/>
                 <a:cs typeface="Arial" panose="020B0604020202020204" pitchFamily="34" charset="0"/>
               </a:rPr>
-              <a:t>React </a:t>
-            </a:r>
-            <a:r>
-              <a:rPr lang="en-US" altLang="en-US" sz="1200" dirty="0" smtClean="0">
-                <a:latin typeface="Arial" panose="020B0604020202020204" pitchFamily="34" charset="0"/>
-                <a:ea typeface="Amazon Ember" pitchFamily="34" charset="0"/>
-                <a:cs typeface="Arial" panose="020B0604020202020204" pitchFamily="34" charset="0"/>
-              </a:rPr>
-              <a:t>SPA C</a:t>
+              <a:t>React SPA C</a:t>
             </a:r>
             <a:endParaRPr lang="en-US" altLang="en-US" sz="1200" dirty="0">
               <a:latin typeface="Arial" panose="020B0604020202020204" pitchFamily="34" charset="0"/>
@@ -10073,16 +10057,29 @@
                   <a:ea typeface="Amazon Ember" pitchFamily="34" charset="0"/>
                   <a:cs typeface="Arial" panose="020B0604020202020204" pitchFamily="34" charset="0"/>
                 </a:rPr>
-                <a:t> Profile </a:t>
+                <a:t> </a:t>
               </a:r>
               <a:r>
-                <a:rPr lang="en-US" altLang="en-US" sz="1200" dirty="0">
+                <a:rPr lang="en-US" altLang="en-US" sz="1200" dirty="0" err="1" smtClean="0">
                   <a:latin typeface="Arial" panose="020B0604020202020204" pitchFamily="34" charset="0"/>
                   <a:ea typeface="Amazon Ember" pitchFamily="34" charset="0"/>
                   <a:cs typeface="Arial" panose="020B0604020202020204" pitchFamily="34" charset="0"/>
                 </a:rPr>
-                <a:t>DB</a:t>
+                <a:t>Auth</a:t>
               </a:r>
+              <a:r>
+                <a:rPr lang="en-US" altLang="en-US" sz="1200" dirty="0" smtClean="0">
+                  <a:latin typeface="Arial" panose="020B0604020202020204" pitchFamily="34" charset="0"/>
+                  <a:ea typeface="Amazon Ember" pitchFamily="34" charset="0"/>
+                  <a:cs typeface="Arial" panose="020B0604020202020204" pitchFamily="34" charset="0"/>
+                </a:rPr>
+                <a:t> DB</a:t>
+              </a:r>
+              <a:endParaRPr lang="en-US" altLang="en-US" sz="1200" dirty="0">
+                <a:latin typeface="Arial" panose="020B0604020202020204" pitchFamily="34" charset="0"/>
+                <a:ea typeface="Amazon Ember" pitchFamily="34" charset="0"/>
+                <a:cs typeface="Arial" panose="020B0604020202020204" pitchFamily="34" charset="0"/>
+              </a:endParaRPr>
             </a:p>
           </p:txBody>
         </p:sp>
@@ -18081,15 +18078,7 @@
                 <a:ea typeface="Amazon Ember" pitchFamily="34" charset="0"/>
                 <a:cs typeface="Arial" panose="020B0604020202020204" pitchFamily="34" charset="0"/>
               </a:rPr>
-              <a:t>React </a:t>
-            </a:r>
-            <a:r>
-              <a:rPr lang="en-US" altLang="en-US" sz="1200" dirty="0" smtClean="0">
-                <a:latin typeface="Arial" panose="020B0604020202020204" pitchFamily="34" charset="0"/>
-                <a:ea typeface="Amazon Ember" pitchFamily="34" charset="0"/>
-                <a:cs typeface="Arial" panose="020B0604020202020204" pitchFamily="34" charset="0"/>
-              </a:rPr>
-              <a:t>SPA A</a:t>
+              <a:t>React SPA A</a:t>
             </a:r>
             <a:endParaRPr lang="en-US" altLang="en-US" sz="1200" dirty="0">
               <a:latin typeface="Arial" panose="020B0604020202020204" pitchFamily="34" charset="0"/>
@@ -18812,15 +18801,7 @@
                 <a:ea typeface="Amazon Ember" pitchFamily="34" charset="0"/>
                 <a:cs typeface="Arial" panose="020B0604020202020204" pitchFamily="34" charset="0"/>
               </a:rPr>
-              <a:t>React </a:t>
-            </a:r>
-            <a:r>
-              <a:rPr lang="en-US" altLang="en-US" sz="1200" dirty="0" smtClean="0">
-                <a:latin typeface="Arial" panose="020B0604020202020204" pitchFamily="34" charset="0"/>
-                <a:ea typeface="Amazon Ember" pitchFamily="34" charset="0"/>
-                <a:cs typeface="Arial" panose="020B0604020202020204" pitchFamily="34" charset="0"/>
-              </a:rPr>
-              <a:t>SPA C</a:t>
+              <a:t>React SPA C</a:t>
             </a:r>
             <a:endParaRPr lang="en-US" altLang="en-US" sz="1200" dirty="0">
               <a:latin typeface="Arial" panose="020B0604020202020204" pitchFamily="34" charset="0"/>
@@ -21820,16 +21801,29 @@
                   <a:ea typeface="Amazon Ember" pitchFamily="34" charset="0"/>
                   <a:cs typeface="Arial" panose="020B0604020202020204" pitchFamily="34" charset="0"/>
                 </a:rPr>
-                <a:t> Profile </a:t>
+                <a:t> </a:t>
               </a:r>
               <a:r>
-                <a:rPr lang="en-US" altLang="en-US" sz="1200" dirty="0">
+                <a:rPr lang="en-US" altLang="en-US" sz="1200" dirty="0" err="1" smtClean="0">
                   <a:latin typeface="Arial" panose="020B0604020202020204" pitchFamily="34" charset="0"/>
                   <a:ea typeface="Amazon Ember" pitchFamily="34" charset="0"/>
                   <a:cs typeface="Arial" panose="020B0604020202020204" pitchFamily="34" charset="0"/>
                 </a:rPr>
-                <a:t>DB</a:t>
+                <a:t>Auth</a:t>
               </a:r>
+              <a:r>
+                <a:rPr lang="en-US" altLang="en-US" sz="1200" dirty="0" smtClean="0">
+                  <a:latin typeface="Arial" panose="020B0604020202020204" pitchFamily="34" charset="0"/>
+                  <a:ea typeface="Amazon Ember" pitchFamily="34" charset="0"/>
+                  <a:cs typeface="Arial" panose="020B0604020202020204" pitchFamily="34" charset="0"/>
+                </a:rPr>
+                <a:t> DB</a:t>
+              </a:r>
+              <a:endParaRPr lang="en-US" altLang="en-US" sz="1200" dirty="0">
+                <a:latin typeface="Arial" panose="020B0604020202020204" pitchFamily="34" charset="0"/>
+                <a:ea typeface="Amazon Ember" pitchFamily="34" charset="0"/>
+                <a:cs typeface="Arial" panose="020B0604020202020204" pitchFamily="34" charset="0"/>
+              </a:endParaRPr>
             </a:p>
           </p:txBody>
         </p:sp>

--- a/8-msa/2. 팀 프로젝트 구성도.pptx
+++ b/8-msa/2. 팀 프로젝트 구성도.pptx
@@ -260,7 +260,7 @@
           <a:p>
             <a:fld id="{BE385318-83E2-4817-A0DC-E225F8203930}" type="datetimeFigureOut">
               <a:rPr lang="ko-KR" altLang="en-US" smtClean="0"/>
-              <a:t>2021-10-13</a:t>
+              <a:t>2021-10-18</a:t>
             </a:fld>
             <a:endParaRPr lang="ko-KR" altLang="en-US"/>
           </a:p>
@@ -458,7 +458,7 @@
           <a:p>
             <a:fld id="{BE385318-83E2-4817-A0DC-E225F8203930}" type="datetimeFigureOut">
               <a:rPr lang="ko-KR" altLang="en-US" smtClean="0"/>
-              <a:t>2021-10-13</a:t>
+              <a:t>2021-10-18</a:t>
             </a:fld>
             <a:endParaRPr lang="ko-KR" altLang="en-US"/>
           </a:p>
@@ -666,7 +666,7 @@
           <a:p>
             <a:fld id="{BE385318-83E2-4817-A0DC-E225F8203930}" type="datetimeFigureOut">
               <a:rPr lang="ko-KR" altLang="en-US" smtClean="0"/>
-              <a:t>2021-10-13</a:t>
+              <a:t>2021-10-18</a:t>
             </a:fld>
             <a:endParaRPr lang="ko-KR" altLang="en-US"/>
           </a:p>
@@ -864,7 +864,7 @@
           <a:p>
             <a:fld id="{BE385318-83E2-4817-A0DC-E225F8203930}" type="datetimeFigureOut">
               <a:rPr lang="ko-KR" altLang="en-US" smtClean="0"/>
-              <a:t>2021-10-13</a:t>
+              <a:t>2021-10-18</a:t>
             </a:fld>
             <a:endParaRPr lang="ko-KR" altLang="en-US"/>
           </a:p>
@@ -1139,7 +1139,7 @@
           <a:p>
             <a:fld id="{BE385318-83E2-4817-A0DC-E225F8203930}" type="datetimeFigureOut">
               <a:rPr lang="ko-KR" altLang="en-US" smtClean="0"/>
-              <a:t>2021-10-13</a:t>
+              <a:t>2021-10-18</a:t>
             </a:fld>
             <a:endParaRPr lang="ko-KR" altLang="en-US"/>
           </a:p>
@@ -1404,7 +1404,7 @@
           <a:p>
             <a:fld id="{BE385318-83E2-4817-A0DC-E225F8203930}" type="datetimeFigureOut">
               <a:rPr lang="ko-KR" altLang="en-US" smtClean="0"/>
-              <a:t>2021-10-13</a:t>
+              <a:t>2021-10-18</a:t>
             </a:fld>
             <a:endParaRPr lang="ko-KR" altLang="en-US"/>
           </a:p>
@@ -1816,7 +1816,7 @@
           <a:p>
             <a:fld id="{BE385318-83E2-4817-A0DC-E225F8203930}" type="datetimeFigureOut">
               <a:rPr lang="ko-KR" altLang="en-US" smtClean="0"/>
-              <a:t>2021-10-13</a:t>
+              <a:t>2021-10-18</a:t>
             </a:fld>
             <a:endParaRPr lang="ko-KR" altLang="en-US"/>
           </a:p>
@@ -1957,7 +1957,7 @@
           <a:p>
             <a:fld id="{BE385318-83E2-4817-A0DC-E225F8203930}" type="datetimeFigureOut">
               <a:rPr lang="ko-KR" altLang="en-US" smtClean="0"/>
-              <a:t>2021-10-13</a:t>
+              <a:t>2021-10-18</a:t>
             </a:fld>
             <a:endParaRPr lang="ko-KR" altLang="en-US"/>
           </a:p>
@@ -2070,7 +2070,7 @@
           <a:p>
             <a:fld id="{BE385318-83E2-4817-A0DC-E225F8203930}" type="datetimeFigureOut">
               <a:rPr lang="ko-KR" altLang="en-US" smtClean="0"/>
-              <a:t>2021-10-13</a:t>
+              <a:t>2021-10-18</a:t>
             </a:fld>
             <a:endParaRPr lang="ko-KR" altLang="en-US"/>
           </a:p>
@@ -2381,7 +2381,7 @@
           <a:p>
             <a:fld id="{BE385318-83E2-4817-A0DC-E225F8203930}" type="datetimeFigureOut">
               <a:rPr lang="ko-KR" altLang="en-US" smtClean="0"/>
-              <a:t>2021-10-13</a:t>
+              <a:t>2021-10-18</a:t>
             </a:fld>
             <a:endParaRPr lang="ko-KR" altLang="en-US"/>
           </a:p>
@@ -2669,7 +2669,7 @@
           <a:p>
             <a:fld id="{BE385318-83E2-4817-A0DC-E225F8203930}" type="datetimeFigureOut">
               <a:rPr lang="ko-KR" altLang="en-US" smtClean="0"/>
-              <a:t>2021-10-13</a:t>
+              <a:t>2021-10-18</a:t>
             </a:fld>
             <a:endParaRPr lang="ko-KR" altLang="en-US"/>
           </a:p>
@@ -2910,7 +2910,7 @@
           <a:p>
             <a:fld id="{BE385318-83E2-4817-A0DC-E225F8203930}" type="datetimeFigureOut">
               <a:rPr lang="ko-KR" altLang="en-US" smtClean="0"/>
-              <a:t>2021-10-13</a:t>
+              <a:t>2021-10-18</a:t>
             </a:fld>
             <a:endParaRPr lang="ko-KR" altLang="en-US"/>
           </a:p>
@@ -5884,13 +5884,18 @@
             <a:p>
               <a:pPr algn="ctr" eaLnBrk="1" hangingPunct="1"/>
               <a:r>
-                <a:rPr lang="en-US" altLang="en-US" sz="1200" dirty="0">
+                <a:rPr lang="en-US" altLang="en-US" sz="1200" dirty="0" err="1">
                   <a:latin typeface="Arial" panose="020B0604020202020204" pitchFamily="34" charset="0"/>
                   <a:ea typeface="Amazon Ember" pitchFamily="34" charset="0"/>
                   <a:cs typeface="Arial" panose="020B0604020202020204" pitchFamily="34" charset="0"/>
                 </a:rPr>
-                <a:t>Auth Service</a:t>
+                <a:t>AuthFilter</a:t>
               </a:r>
+              <a:endParaRPr lang="en-US" altLang="en-US" sz="1200" dirty="0">
+                <a:latin typeface="Arial" panose="020B0604020202020204" pitchFamily="34" charset="0"/>
+                <a:ea typeface="Amazon Ember" pitchFamily="34" charset="0"/>
+                <a:cs typeface="Arial" panose="020B0604020202020204" pitchFamily="34" charset="0"/>
+              </a:endParaRPr>
             </a:p>
           </p:txBody>
         </p:sp>
@@ -17628,13 +17633,18 @@
             <a:p>
               <a:pPr algn="ctr" eaLnBrk="1" hangingPunct="1"/>
               <a:r>
-                <a:rPr lang="en-US" altLang="en-US" sz="1200" dirty="0">
+                <a:rPr lang="en-US" altLang="en-US" sz="1200" dirty="0" err="1">
                   <a:latin typeface="Arial" panose="020B0604020202020204" pitchFamily="34" charset="0"/>
                   <a:ea typeface="Amazon Ember" pitchFamily="34" charset="0"/>
                   <a:cs typeface="Arial" panose="020B0604020202020204" pitchFamily="34" charset="0"/>
                 </a:rPr>
-                <a:t>Auth Service</a:t>
+                <a:t>AuthFilter</a:t>
               </a:r>
+              <a:endParaRPr lang="en-US" altLang="en-US" sz="1200" dirty="0">
+                <a:latin typeface="Arial" panose="020B0604020202020204" pitchFamily="34" charset="0"/>
+                <a:ea typeface="Amazon Ember" pitchFamily="34" charset="0"/>
+                <a:cs typeface="Arial" panose="020B0604020202020204" pitchFamily="34" charset="0"/>
+              </a:endParaRPr>
             </a:p>
           </p:txBody>
         </p:sp>
